--- a/documentacao/Apresentação de script para help desk.pptx
+++ b/documentacao/Apresentação de script para help desk.pptx
@@ -110,6 +110,11 @@
       </a:defRPr>
     </a:lvl9pPr>
   </p:defaultTextStyle>
+  <p:extLst>
+    <p:ext uri="{EFAFB233-063F-42B5-8137-9DF3F51BA10A}">
+      <p15:sldGuideLst xmlns:p15="http://schemas.microsoft.com/office/powerpoint/2012/main"/>
+    </p:ext>
+  </p:extLst>
 </p:presentation>
 </file>
 
@@ -252,7 +257,7 @@
           <a:p>
             <a:fld id="{48A87A34-81AB-432B-8DAE-1953F412C126}" type="datetimeFigureOut">
               <a:rPr lang="en-US" dirty="0"/>
-              <a:t>5/24/2019</a:t>
+              <a:t>5/28/2019</a:t>
             </a:fld>
             <a:endParaRPr lang="en-US" dirty="0"/>
           </a:p>
@@ -458,7 +463,7 @@
           <a:p>
             <a:fld id="{48A87A34-81AB-432B-8DAE-1953F412C126}" type="datetimeFigureOut">
               <a:rPr lang="en-US" dirty="0"/>
-              <a:t>5/24/2019</a:t>
+              <a:t>5/28/2019</a:t>
             </a:fld>
             <a:endParaRPr lang="en-US" dirty="0"/>
           </a:p>
@@ -668,7 +673,7 @@
           <a:p>
             <a:fld id="{48A87A34-81AB-432B-8DAE-1953F412C126}" type="datetimeFigureOut">
               <a:rPr lang="en-US" dirty="0"/>
-              <a:t>5/24/2019</a:t>
+              <a:t>5/28/2019</a:t>
             </a:fld>
             <a:endParaRPr lang="en-US" dirty="0"/>
           </a:p>
@@ -864,7 +869,7 @@
           <a:p>
             <a:fld id="{48A87A34-81AB-432B-8DAE-1953F412C126}" type="datetimeFigureOut">
               <a:rPr lang="en-US" dirty="0"/>
-              <a:t>5/24/2019</a:t>
+              <a:t>5/28/2019</a:t>
             </a:fld>
             <a:endParaRPr lang="en-US" dirty="0"/>
           </a:p>
@@ -1138,7 +1143,7 @@
           <a:p>
             <a:fld id="{48A87A34-81AB-432B-8DAE-1953F412C126}" type="datetimeFigureOut">
               <a:rPr lang="en-US" dirty="0"/>
-              <a:t>5/24/2019</a:t>
+              <a:t>5/28/2019</a:t>
             </a:fld>
             <a:endParaRPr lang="en-US" dirty="0"/>
           </a:p>
@@ -1401,7 +1406,7 @@
           <a:p>
             <a:fld id="{48A87A34-81AB-432B-8DAE-1953F412C126}" type="datetimeFigureOut">
               <a:rPr lang="en-US" dirty="0"/>
-              <a:t>5/24/2019</a:t>
+              <a:t>5/28/2019</a:t>
             </a:fld>
             <a:endParaRPr lang="en-US" dirty="0"/>
           </a:p>
@@ -1812,7 +1817,7 @@
           <a:p>
             <a:fld id="{48A87A34-81AB-432B-8DAE-1953F412C126}" type="datetimeFigureOut">
               <a:rPr lang="en-US" dirty="0"/>
-              <a:t>5/24/2019</a:t>
+              <a:t>5/28/2019</a:t>
             </a:fld>
             <a:endParaRPr lang="en-US" dirty="0"/>
           </a:p>
@@ -1956,7 +1961,7 @@
           <a:p>
             <a:fld id="{48A87A34-81AB-432B-8DAE-1953F412C126}" type="datetimeFigureOut">
               <a:rPr lang="en-US" dirty="0"/>
-              <a:t>5/24/2019</a:t>
+              <a:t>5/28/2019</a:t>
             </a:fld>
             <a:endParaRPr lang="en-US" dirty="0"/>
           </a:p>
@@ -2077,7 +2082,7 @@
           <a:p>
             <a:fld id="{48A87A34-81AB-432B-8DAE-1953F412C126}" type="datetimeFigureOut">
               <a:rPr lang="en-US" dirty="0"/>
-              <a:t>5/24/2019</a:t>
+              <a:t>5/28/2019</a:t>
             </a:fld>
             <a:endParaRPr lang="en-US" dirty="0"/>
           </a:p>
@@ -2323,7 +2328,7 @@
           <a:p>
             <a:fld id="{48A87A34-81AB-432B-8DAE-1953F412C126}" type="datetimeFigureOut">
               <a:rPr lang="en-US" dirty="0"/>
-              <a:t>5/24/2019</a:t>
+              <a:t>5/28/2019</a:t>
             </a:fld>
             <a:endParaRPr lang="en-US" dirty="0"/>
           </a:p>
@@ -2764,7 +2769,7 @@
             <a:fld id="{48A87A34-81AB-432B-8DAE-1953F412C126}" type="datetimeFigureOut">
               <a:rPr lang="en-US" dirty="0"/>
               <a:pPr/>
-              <a:t>5/24/2019</a:t>
+              <a:t>5/28/2019</a:t>
             </a:fld>
             <a:endParaRPr lang="en-US" dirty="0"/>
           </a:p>
@@ -3087,7 +3092,7 @@
             <a:fld id="{48A87A34-81AB-432B-8DAE-1953F412C126}" type="datetimeFigureOut">
               <a:rPr lang="en-US" dirty="0"/>
               <a:pPr/>
-              <a:t>5/24/2019</a:t>
+              <a:t>5/28/2019</a:t>
             </a:fld>
             <a:endParaRPr lang="en-US" dirty="0"/>
           </a:p>
@@ -3634,7 +3639,7 @@
           <a:p>
             <a:r>
               <a:rPr lang="pt-BR" dirty="0"/>
-              <a:t>Fernando Noronha ra01191...                     Oscar </a:t>
+              <a:t>Fernando Noronha                      Oscar </a:t>
             </a:r>
             <a:r>
               <a:rPr lang="pt-BR" dirty="0" err="1"/>
@@ -3642,59 +3647,24 @@
             </a:r>
             <a:r>
               <a:rPr lang="pt-BR" dirty="0"/>
-              <a:t> ra01191...</a:t>
+              <a:t> </a:t>
             </a:r>
           </a:p>
           <a:p>
             <a:r>
               <a:rPr lang="pt-BR" dirty="0"/>
-              <a:t>Giulia maia </a:t>
-            </a:r>
-            <a:r>
-              <a:rPr lang="pt-BR" dirty="0" err="1"/>
-              <a:t>ra</a:t>
-            </a:r>
-            <a:r>
-              <a:rPr lang="pt-BR" dirty="0"/>
-              <a:t> 01191                                         Raissa </a:t>
+              <a:t>Giulia maia                                        Raissa </a:t>
             </a:r>
             <a:r>
               <a:rPr lang="pt-BR" dirty="0" err="1"/>
               <a:t>arantes</a:t>
             </a:r>
+            <a:endParaRPr lang="pt-BR" dirty="0"/>
+          </a:p>
+          <a:p>
             <a:r>
               <a:rPr lang="pt-BR" dirty="0"/>
-              <a:t> </a:t>
-            </a:r>
-            <a:r>
-              <a:rPr lang="pt-BR" dirty="0" err="1"/>
-              <a:t>ra</a:t>
-            </a:r>
-            <a:r>
-              <a:rPr lang="pt-BR" dirty="0"/>
-              <a:t> 01191;;;;</a:t>
-            </a:r>
-          </a:p>
-          <a:p>
-            <a:r>
-              <a:rPr lang="pt-BR" dirty="0"/>
-              <a:t>João Alfredo Teodoro </a:t>
-            </a:r>
-            <a:r>
-              <a:rPr lang="pt-BR" dirty="0" err="1"/>
-              <a:t>ra</a:t>
-            </a:r>
-            <a:r>
-              <a:rPr lang="pt-BR" dirty="0"/>
-              <a:t> 01191096             </a:t>
-            </a:r>
-            <a:r>
-              <a:rPr lang="pt-BR" dirty="0" err="1"/>
-              <a:t>ViTÓRIA</a:t>
-            </a:r>
-            <a:r>
-              <a:rPr lang="pt-BR" dirty="0"/>
-              <a:t> CRISTINA RA 01191....</a:t>
+              <a:t>João Alfredo Teodoro                  Vitória CRISTINA</a:t>
             </a:r>
           </a:p>
         </p:txBody>
@@ -3941,7 +3911,7 @@
           <a:p>
             <a:r>
               <a:rPr lang="pt-BR" b="1" dirty="0"/>
-              <a:t>SCRIPT CASE 2 – Chamada do cliente:  A temperaturas dos sensores permanece a mesma</a:t>
+              <a:t>SCRIPT CASE 2 – Chamada do cliente:  erro na leitura  dos sensores, Temperatura e umidade.</a:t>
             </a:r>
             <a:br>
               <a:rPr lang="pt-BR" dirty="0"/>
@@ -4013,7 +3983,11 @@
           <a:p>
             <a:r>
               <a:rPr lang="pt-BR" b="1" dirty="0"/>
-              <a:t>SCRIPT CASE 3 – Chamada do cliente:  A temperaturas dos sensores permanece a mesma</a:t>
+              <a:t>SCRIPT CASE 3 – Chamada do cliente:  erro na leitura  dos sensores, Temperatura e umidade (PARTE </a:t>
+            </a:r>
+            <a:r>
+              <a:rPr lang="pt-BR" b="1"/>
+              <a:t>II).</a:t>
             </a:r>
             <a:br>
               <a:rPr lang="pt-BR" dirty="0"/>
@@ -4024,7 +3998,10 @@
             <a:br>
               <a:rPr lang="pt-BR" dirty="0"/>
             </a:br>
-            <a:endParaRPr lang="pt-BR" dirty="0"/>
+            <a:r>
+              <a:rPr lang="pt-BR" dirty="0"/>
+              <a:t> </a:t>
+            </a:r>
           </a:p>
         </p:txBody>
       </p:sp>
